--- a/Work/ppt/DynamicModularity.pptx
+++ b/Work/ppt/DynamicModularity.pptx
@@ -33,10 +33,10 @@
     <p:sldId id="403" r:id="rId24"/>
     <p:sldId id="469" r:id="rId25"/>
     <p:sldId id="470" r:id="rId26"/>
-    <p:sldId id="402" r:id="rId27"/>
-    <p:sldId id="407" r:id="rId28"/>
-    <p:sldId id="409" r:id="rId29"/>
-    <p:sldId id="408" r:id="rId30"/>
+    <p:sldId id="471" r:id="rId27"/>
+    <p:sldId id="472" r:id="rId28"/>
+    <p:sldId id="473" r:id="rId29"/>
+    <p:sldId id="474" r:id="rId30"/>
     <p:sldId id="303" r:id="rId31"/>
   </p:sldIdLst>
   <p:sldSz cx="12192000" cy="6858000"/>
@@ -138,7 +138,7 @@
   </p:defaultTextStyle>
   <p:extLst>
     <p:ext uri="{EFAFB233-063F-42B5-8137-9DF3F51BA10A}">
-      <p15:sldGuideLst xmlns:p15="http://schemas.microsoft.com/office/powerpoint/2012/main" xmlns="">
+      <p15:sldGuideLst xmlns="" xmlns:p15="http://schemas.microsoft.com/office/powerpoint/2012/main">
         <p15:guide id="1" orient="horz" pos="2160">
           <p15:clr>
             <a:srgbClr val="A4A3A4"/>
@@ -2702,6 +2702,34 @@
           <a:bodyPr/>
           <a:lstStyle/>
           <a:p>
+            <a:r>
+              <a:rPr lang="en-US" altLang="zh-CN" sz="1200" b="0" i="1" kern="1200" dirty="0" smtClean="0">
+                <a:solidFill>
+                  <a:schemeClr val="tx1"/>
+                </a:solidFill>
+                <a:effectLst/>
+                <a:latin typeface="+mn-lt"/>
+                <a:ea typeface="+mn-ea"/>
+                <a:cs typeface="+mn-cs"/>
+              </a:rPr>
+              <a:t>Flexibility in the striatum relates to reinforcement learning</a:t>
+            </a:r>
+            <a:r>
+              <a:rPr lang="en-US" altLang="zh-CN" dirty="0" smtClean="0"/>
+              <a:t> P&lt;0.001</a:t>
+            </a:r>
+          </a:p>
+          <a:p>
+            <a:endParaRPr lang="en-US" altLang="zh-CN" dirty="0" smtClean="0"/>
+          </a:p>
+          <a:p>
+            <a:r>
+              <a:rPr lang="en-US" altLang="zh-CN" dirty="0" smtClean="0"/>
+              <a:t>Colorred P&lt;0.0005</a:t>
+            </a:r>
+            <a:br>
+              <a:rPr lang="en-US" altLang="zh-CN" dirty="0" smtClean="0"/>
+            </a:br>
             <a:endParaRPr lang="zh-CN" altLang="en-US" dirty="0"/>
           </a:p>
         </p:txBody>
@@ -2787,55 +2815,46 @@
           <a:lstStyle/>
           <a:p>
             <a:r>
-              <a:rPr lang="zh-CN" altLang="en-US" dirty="0" smtClean="0"/>
-              <a:t>训练时间：</a:t>
+              <a:rPr lang="en-US" altLang="zh-CN" sz="1200" b="0" i="1" kern="1200" dirty="0" smtClean="0">
+                <a:solidFill>
+                  <a:schemeClr val="tx1"/>
+                </a:solidFill>
+                <a:effectLst/>
+                <a:latin typeface="+mn-lt"/>
+                <a:ea typeface="+mn-ea"/>
+                <a:cs typeface="+mn-cs"/>
+              </a:rPr>
+              <a:t>Flexibility in the whole</a:t>
+            </a:r>
+            <a:r>
+              <a:rPr lang="en-US" altLang="zh-CN" sz="1200" b="0" i="1" kern="1200" baseline="0" dirty="0" smtClean="0">
+                <a:solidFill>
+                  <a:schemeClr val="tx1"/>
+                </a:solidFill>
+                <a:effectLst/>
+                <a:latin typeface="+mn-lt"/>
+                <a:ea typeface="+mn-ea"/>
+                <a:cs typeface="+mn-cs"/>
+              </a:rPr>
+              <a:t> brain</a:t>
+            </a:r>
+            <a:r>
+              <a:rPr lang="en-US" altLang="zh-CN" sz="1200" b="0" i="1" kern="1200" dirty="0" smtClean="0">
+                <a:solidFill>
+                  <a:schemeClr val="tx1"/>
+                </a:solidFill>
+                <a:effectLst/>
+                <a:latin typeface="+mn-lt"/>
+                <a:ea typeface="+mn-ea"/>
+                <a:cs typeface="+mn-cs"/>
+              </a:rPr>
+              <a:t> relates to reinforcement learning</a:t>
             </a:r>
             <a:r>
               <a:rPr lang="en-US" altLang="zh-CN" dirty="0" smtClean="0"/>
-              <a:t>				light</a:t>
-            </a:r>
-            <a:r>
-              <a:rPr lang="zh-CN" altLang="en-US" dirty="0" smtClean="0"/>
-              <a:t>：</a:t>
+              <a:t> P&lt;0.005</a:t>
             </a:r>
             <a:endParaRPr lang="en-US" altLang="zh-CN" dirty="0" smtClean="0"/>
-          </a:p>
-          <a:p>
-            <a:r>
-              <a:rPr lang="en-US" altLang="zh-CN" dirty="0" smtClean="0"/>
-              <a:t>A</a:t>
-            </a:r>
-            <a:r>
-              <a:rPr lang="en-US" altLang="zh-CN" baseline="0" dirty="0" smtClean="0"/>
-              <a:t> 30s				On &amp; Off separately</a:t>
-            </a:r>
-          </a:p>
-          <a:p>
-            <a:r>
-              <a:rPr lang="en-US" altLang="zh-CN" baseline="0" dirty="0" smtClean="0"/>
-              <a:t>B 6 min				On</a:t>
-            </a:r>
-          </a:p>
-          <a:p>
-            <a:r>
-              <a:rPr lang="en-US" altLang="zh-CN" baseline="0" dirty="0" smtClean="0"/>
-              <a:t>C 11 days </a:t>
-            </a:r>
-            <a:r>
-              <a:rPr lang="zh-CN" altLang="en-US" baseline="0" dirty="0" smtClean="0"/>
-              <a:t>，</a:t>
-            </a:r>
-            <a:r>
-              <a:rPr lang="en-US" altLang="zh-CN" baseline="0" dirty="0" smtClean="0"/>
-              <a:t>then 7 days blank		On</a:t>
-            </a:r>
-          </a:p>
-          <a:p>
-            <a:r>
-              <a:rPr lang="en-US" altLang="zh-CN" baseline="0" dirty="0" smtClean="0"/>
-              <a:t>D 8 days				On</a:t>
-            </a:r>
-            <a:endParaRPr lang="zh-CN" altLang="en-US" dirty="0"/>
           </a:p>
         </p:txBody>
       </p:sp>
@@ -2865,7 +2884,7 @@
     </p:spTree>
     <p:extLst>
       <p:ext uri="{BB962C8B-B14F-4D97-AF65-F5344CB8AC3E}">
-        <p14:creationId xmlns:p14="http://schemas.microsoft.com/office/powerpoint/2010/main" val="3763311556"/>
+        <p14:creationId xmlns:p14="http://schemas.microsoft.com/office/powerpoint/2010/main" val="3776015239"/>
       </p:ext>
     </p:extLst>
   </p:cSld>
@@ -2919,14 +2938,47 @@
           <a:bodyPr/>
           <a:lstStyle/>
           <a:p>
-            <a:pPr marL="457200" lvl="1" indent="0">
+            <a:pPr marL="0" marR="0" indent="0" algn="l" defTabSz="914400" rtl="0" eaLnBrk="1" fontAlgn="auto" latinLnBrk="0" hangingPunct="1">
               <a:lnSpc>
-                <a:spcPct val="150000"/>
+                <a:spcPct val="100000"/>
               </a:lnSpc>
-              <a:buFont typeface="Arial" panose="020B0604020202020204" pitchFamily="34" charset="0"/>
+              <a:spcBef>
+                <a:spcPts val="0"/>
+              </a:spcBef>
+              <a:spcAft>
+                <a:spcPts val="0"/>
+              </a:spcAft>
+              <a:buClrTx/>
+              <a:buSzTx/>
+              <a:buFontTx/>
               <a:buNone/>
+              <a:tabLst/>
+              <a:defRPr/>
             </a:pPr>
-            <a:endParaRPr lang="en-US" altLang="zh-CN" sz="2800" dirty="0"/>
+            <a:r>
+              <a:rPr lang="en-US" altLang="zh-CN" sz="1200" b="0" i="1" kern="1200" dirty="0" smtClean="0">
+                <a:solidFill>
+                  <a:schemeClr val="tx1"/>
+                </a:solidFill>
+                <a:effectLst/>
+                <a:latin typeface="+mn-lt"/>
+                <a:ea typeface="+mn-ea"/>
+                <a:cs typeface="+mn-cs"/>
+              </a:rPr>
+              <a:t>Flexibility in other rois relates to reinforcement learning</a:t>
+            </a:r>
+            <a:r>
+              <a:rPr lang="en-US" altLang="zh-CN" dirty="0" smtClean="0"/>
+              <a:t> after</a:t>
+            </a:r>
+            <a:r>
+              <a:rPr lang="en-US" altLang="zh-CN" baseline="0" dirty="0" smtClean="0"/>
+              <a:t> FDR</a:t>
+            </a:r>
+            <a:endParaRPr lang="en-US" altLang="zh-CN" dirty="0" smtClean="0"/>
+          </a:p>
+          <a:p>
+            <a:endParaRPr lang="zh-CN" altLang="en-US" dirty="0"/>
           </a:p>
         </p:txBody>
       </p:sp>
@@ -2956,7 +3008,7 @@
     </p:spTree>
     <p:extLst>
       <p:ext uri="{BB962C8B-B14F-4D97-AF65-F5344CB8AC3E}">
-        <p14:creationId xmlns:p14="http://schemas.microsoft.com/office/powerpoint/2010/main" val="3763311556"/>
+        <p14:creationId xmlns:p14="http://schemas.microsoft.com/office/powerpoint/2010/main" val="3776015239"/>
       </p:ext>
     </p:extLst>
   </p:cSld>
@@ -3010,23 +3062,9 @@
           <a:bodyPr/>
           <a:lstStyle/>
           <a:p>
-            <a:pPr marL="742950" lvl="1" indent="-285750">
+            <a:pPr marL="0" marR="0" indent="0" algn="l" defTabSz="914400" rtl="0" eaLnBrk="1" fontAlgn="auto" latinLnBrk="0" hangingPunct="1">
               <a:lnSpc>
-                <a:spcPct val="150000"/>
-              </a:lnSpc>
-              <a:buFont typeface="Arial" panose="020B0604020202020204" pitchFamily="34" charset="0"/>
-              <a:buChar char="•"/>
-            </a:pPr>
-            <a:r>
-              <a:rPr lang="en-US" altLang="zh-CN" sz="2800" b="1" dirty="0" smtClean="0"/>
-              <a:t>Unilateral silencing of either the left or right CA3 was sufficient to impair short-term memory </a:t>
-            </a:r>
-            <a:endParaRPr lang="en-US" altLang="zh-CN" sz="2800" b="0" dirty="0" smtClean="0"/>
-          </a:p>
-          <a:p>
-            <a:pPr marL="742950" marR="0" lvl="1" indent="-285750" algn="l" defTabSz="914400" rtl="0" eaLnBrk="1" fontAlgn="auto" latinLnBrk="0" hangingPunct="1">
-              <a:lnSpc>
-                <a:spcPct val="150000"/>
+                <a:spcPct val="100000"/>
               </a:lnSpc>
               <a:spcBef>
                 <a:spcPts val="0"/>
@@ -3036,25 +3074,157 @@
               </a:spcAft>
               <a:buClrTx/>
               <a:buSzTx/>
-              <a:buFont typeface="Arial" panose="020B0604020202020204" pitchFamily="34" charset="0"/>
-              <a:buChar char="•"/>
+              <a:buFontTx/>
+              <a:buNone/>
               <a:tabLst/>
               <a:defRPr/>
             </a:pPr>
             <a:r>
-              <a:rPr lang="en-US" altLang="zh-CN" sz="2800" b="1" dirty="0" smtClean="0"/>
-              <a:t>A striking asymmetry emerged in long-term memory, wherein only left CA3 silencing impaired performance on an associative spatial long-term memory task.</a:t>
-            </a:r>
-          </a:p>
-          <a:p>
-            <a:pPr marL="457200" lvl="1" indent="0">
+              <a:rPr lang="en-US" altLang="zh-CN" sz="1200" b="1" i="0" kern="1200" dirty="0" smtClean="0">
+                <a:solidFill>
+                  <a:schemeClr val="tx1"/>
+                </a:solidFill>
+                <a:effectLst/>
+                <a:latin typeface="+mn-lt"/>
+                <a:ea typeface="+mn-ea"/>
+                <a:cs typeface="+mn-cs"/>
+              </a:rPr>
+              <a:t>Whole-brain flexibility is negatively correlated with single-trial learning rate</a:t>
+            </a:r>
+            <a:r>
+              <a:rPr lang="en-US" altLang="zh-CN" dirty="0" smtClean="0"/>
+              <a:t> P&lt;0.005</a:t>
+            </a:r>
+            <a:br>
+              <a:rPr lang="en-US" altLang="zh-CN" dirty="0" smtClean="0"/>
+            </a:br>
+            <a:r>
+              <a:rPr lang="en-US" altLang="zh-CN" sz="1200" b="0" i="0" kern="1200" dirty="0" smtClean="0">
+                <a:solidFill>
+                  <a:schemeClr val="tx1"/>
+                </a:solidFill>
+                <a:effectLst/>
+                <a:latin typeface="+mn-lt"/>
+                <a:ea typeface="+mn-ea"/>
+                <a:cs typeface="+mn-cs"/>
+              </a:rPr>
+              <a:t>These results indicate that whole-brain flexibility is greater when individuals are integrating information across many trials. </a:t>
+            </a:r>
+            <a:r>
+              <a:rPr lang="en-US" altLang="zh-CN" dirty="0" smtClean="0"/>
+              <a:t/>
+            </a:r>
+            <a:br>
+              <a:rPr lang="en-US" altLang="zh-CN" dirty="0" smtClean="0"/>
+            </a:br>
+            <a:r>
+              <a:rPr lang="en-US" altLang="zh-CN" dirty="0" smtClean="0"/>
+              <a:t>PS : </a:t>
+            </a:r>
+            <a:r>
+              <a:rPr lang="en-US" altLang="zh-CN" sz="1200" b="0" i="0" kern="1200" dirty="0" smtClean="0">
+                <a:solidFill>
+                  <a:schemeClr val="tx1"/>
+                </a:solidFill>
+                <a:effectLst/>
+                <a:latin typeface="+mn-lt"/>
+                <a:ea typeface="+mn-ea"/>
+                <a:cs typeface="+mn-cs"/>
+              </a:rPr>
+              <a:t>a lower learning rate </a:t>
+            </a:r>
+            <a:r>
+              <a:rPr lang="en-US" altLang="zh-CN" sz="1200" b="0" i="0" kern="1200" dirty="0" smtClean="0">
+                <a:solidFill>
+                  <a:schemeClr val="tx1"/>
+                </a:solidFill>
+                <a:effectLst/>
+                <a:latin typeface="+mn-lt"/>
+                <a:ea typeface="+mn-ea"/>
+                <a:cs typeface="+mn-cs"/>
+                <a:sym typeface="Wingdings" panose="05000000000000000000" pitchFamily="2" charset="2"/>
+              </a:rPr>
+              <a:t></a:t>
+            </a:r>
+            <a:r>
+              <a:rPr lang="en-US" altLang="zh-CN" sz="1200" b="0" i="0" kern="1200" dirty="0" smtClean="0">
+                <a:solidFill>
+                  <a:schemeClr val="tx1"/>
+                </a:solidFill>
+                <a:effectLst/>
+                <a:latin typeface="+mn-lt"/>
+                <a:ea typeface="+mn-ea"/>
+                <a:cs typeface="+mn-cs"/>
+              </a:rPr>
+              <a:t> more integration of information across multiple trials</a:t>
+            </a:r>
+          </a:p>
+          <a:p>
+            <a:pPr marL="0" marR="0" indent="0" algn="l" defTabSz="914400" rtl="0" eaLnBrk="1" fontAlgn="auto" latinLnBrk="0" hangingPunct="1">
               <a:lnSpc>
-                <a:spcPct val="150000"/>
+                <a:spcPct val="100000"/>
               </a:lnSpc>
-              <a:buFont typeface="Arial" panose="020B0604020202020204" pitchFamily="34" charset="0"/>
+              <a:spcBef>
+                <a:spcPts val="0"/>
+              </a:spcBef>
+              <a:spcAft>
+                <a:spcPts val="0"/>
+              </a:spcAft>
+              <a:buClrTx/>
+              <a:buSzTx/>
+              <a:buFontTx/>
               <a:buNone/>
+              <a:tabLst/>
+              <a:defRPr/>
             </a:pPr>
-            <a:endParaRPr lang="en-US" altLang="zh-CN" sz="2800" dirty="0"/>
+            <a:endParaRPr lang="en-US" altLang="zh-CN" sz="1200" b="0" i="0" kern="1200" dirty="0" smtClean="0">
+              <a:solidFill>
+                <a:schemeClr val="tx1"/>
+              </a:solidFill>
+              <a:effectLst/>
+              <a:latin typeface="+mn-lt"/>
+              <a:ea typeface="+mn-ea"/>
+              <a:cs typeface="+mn-cs"/>
+            </a:endParaRPr>
+          </a:p>
+          <a:p>
+            <a:pPr marL="0" marR="0" indent="0" algn="l" defTabSz="914400" rtl="0" eaLnBrk="1" fontAlgn="auto" latinLnBrk="0" hangingPunct="1">
+              <a:lnSpc>
+                <a:spcPct val="100000"/>
+              </a:lnSpc>
+              <a:spcBef>
+                <a:spcPts val="0"/>
+              </a:spcBef>
+              <a:spcAft>
+                <a:spcPts val="0"/>
+              </a:spcAft>
+              <a:buClrTx/>
+              <a:buSzTx/>
+              <a:buFontTx/>
+              <a:buNone/>
+              <a:tabLst/>
+              <a:defRPr/>
+            </a:pPr>
+            <a:r>
+              <a:rPr lang="en-US" altLang="zh-CN" sz="1200" b="0" i="0" kern="1200" dirty="0" smtClean="0">
+                <a:solidFill>
+                  <a:schemeClr val="tx1"/>
+                </a:solidFill>
+                <a:effectLst/>
+                <a:latin typeface="+mn-lt"/>
+                <a:ea typeface="+mn-ea"/>
+                <a:cs typeface="+mn-cs"/>
+              </a:rPr>
+              <a:t>We did not detect a relationship between flexibility in the striatal ROI and learning rate</a:t>
+            </a:r>
+            <a:r>
+              <a:rPr lang="en-US" altLang="zh-CN" dirty="0" smtClean="0"/>
+              <a:t> </a:t>
+            </a:r>
+            <a:br>
+              <a:rPr lang="en-US" altLang="zh-CN" dirty="0" smtClean="0"/>
+            </a:br>
+            <a:endParaRPr lang="zh-CN" altLang="en-US" dirty="0"/>
           </a:p>
         </p:txBody>
       </p:sp>
@@ -3084,7 +3254,7 @@
     </p:spTree>
     <p:extLst>
       <p:ext uri="{BB962C8B-B14F-4D97-AF65-F5344CB8AC3E}">
-        <p14:creationId xmlns:p14="http://schemas.microsoft.com/office/powerpoint/2010/main" val="3763311556"/>
+        <p14:creationId xmlns:p14="http://schemas.microsoft.com/office/powerpoint/2010/main" val="3776015239"/>
       </p:ext>
     </p:extLst>
   </p:cSld>
@@ -6791,6 +6961,8 @@
               </a:rPr>
               <a:t>Dynamic</a:t>
             </a:r>
+          </a:p>
+          <a:p>
             <a:endParaRPr lang="en-US" altLang="zh-CN" sz="4800" b="1" dirty="0" smtClean="0">
               <a:solidFill>
                 <a:schemeClr val="accent2"/>
@@ -6807,6 +6979,42 @@
             </a:endParaRPr>
           </a:p>
           <a:p>
+            <a:r>
+              <a:rPr lang="en-US" altLang="zh-CN" sz="4800" b="1" dirty="0">
+                <a:solidFill>
+                  <a:schemeClr val="accent2"/>
+                </a:solidFill>
+                <a:effectLst>
+                  <a:outerShdw blurRad="38100" dist="38100" dir="2700000" algn="tl">
+                    <a:srgbClr val="000000">
+                      <a:alpha val="43137"/>
+                    </a:srgbClr>
+                  </a:outerShdw>
+                </a:effectLst>
+                <a:latin typeface="微软雅黑" panose="020B0503020204020204" pitchFamily="34" charset="-122"/>
+                <a:ea typeface="微软雅黑" panose="020B0503020204020204" pitchFamily="34" charset="-122"/>
+              </a:rPr>
+              <a:t>	</a:t>
+            </a:r>
+            <a:r>
+              <a:rPr lang="en-US" altLang="zh-CN" sz="4800" b="1" dirty="0" smtClean="0">
+                <a:solidFill>
+                  <a:schemeClr val="accent2"/>
+                </a:solidFill>
+                <a:effectLst>
+                  <a:outerShdw blurRad="38100" dist="38100" dir="2700000" algn="tl">
+                    <a:srgbClr val="000000">
+                      <a:alpha val="43137"/>
+                    </a:srgbClr>
+                  </a:outerShdw>
+                </a:effectLst>
+                <a:latin typeface="微软雅黑" panose="020B0503020204020204" pitchFamily="34" charset="-122"/>
+                <a:ea typeface="微软雅黑" panose="020B0503020204020204" pitchFamily="34" charset="-122"/>
+              </a:rPr>
+              <a:t> Time courses</a:t>
+            </a:r>
+          </a:p>
+          <a:p>
             <a:endParaRPr lang="en-US" altLang="zh-CN" sz="4800" b="1" dirty="0" smtClean="0">
               <a:solidFill>
                 <a:schemeClr val="accent2"/>
@@ -6823,23 +7031,7 @@
             </a:endParaRPr>
           </a:p>
           <a:p>
-            <a:r>
-              <a:rPr lang="en-US" altLang="zh-CN" sz="4800" b="1" dirty="0">
-                <a:solidFill>
-                  <a:schemeClr val="accent2"/>
-                </a:solidFill>
-                <a:effectLst>
-                  <a:outerShdw blurRad="38100" dist="38100" dir="2700000" algn="tl">
-                    <a:srgbClr val="000000">
-                      <a:alpha val="43137"/>
-                    </a:srgbClr>
-                  </a:outerShdw>
-                </a:effectLst>
-                <a:latin typeface="微软雅黑" panose="020B0503020204020204" pitchFamily="34" charset="-122"/>
-                <a:ea typeface="微软雅黑" panose="020B0503020204020204" pitchFamily="34" charset="-122"/>
-              </a:rPr>
-              <a:t>	</a:t>
-            </a:r>
+            <a:pPr algn="r"/>
             <a:r>
               <a:rPr lang="en-US" altLang="zh-CN" sz="4800" b="1" dirty="0" smtClean="0">
                 <a:solidFill>
@@ -6855,89 +7047,8 @@
                 <a:latin typeface="微软雅黑" panose="020B0503020204020204" pitchFamily="34" charset="-122"/>
                 <a:ea typeface="微软雅黑" panose="020B0503020204020204" pitchFamily="34" charset="-122"/>
               </a:rPr>
-              <a:t> </a:t>
-            </a:r>
-            <a:r>
-              <a:rPr lang="en-US" altLang="zh-CN" sz="4800" b="1" dirty="0" smtClean="0">
-                <a:solidFill>
-                  <a:schemeClr val="accent2"/>
-                </a:solidFill>
-                <a:effectLst>
-                  <a:outerShdw blurRad="38100" dist="38100" dir="2700000" algn="tl">
-                    <a:srgbClr val="000000">
-                      <a:alpha val="43137"/>
-                    </a:srgbClr>
-                  </a:outerShdw>
-                </a:effectLst>
-                <a:latin typeface="微软雅黑" panose="020B0503020204020204" pitchFamily="34" charset="-122"/>
-                <a:ea typeface="微软雅黑" panose="020B0503020204020204" pitchFamily="34" charset="-122"/>
-              </a:rPr>
-              <a:t>Time courses</a:t>
-            </a:r>
-            <a:endParaRPr lang="en-US" altLang="zh-CN" sz="4800" b="1" dirty="0" smtClean="0">
-              <a:solidFill>
-                <a:schemeClr val="accent2"/>
-              </a:solidFill>
-              <a:effectLst>
-                <a:outerShdw blurRad="38100" dist="38100" dir="2700000" algn="tl">
-                  <a:srgbClr val="000000">
-                    <a:alpha val="43137"/>
-                  </a:srgbClr>
-                </a:outerShdw>
-              </a:effectLst>
-              <a:latin typeface="微软雅黑" panose="020B0503020204020204" pitchFamily="34" charset="-122"/>
-              <a:ea typeface="微软雅黑" panose="020B0503020204020204" pitchFamily="34" charset="-122"/>
-            </a:endParaRPr>
-          </a:p>
-          <a:p>
-            <a:endParaRPr lang="en-US" altLang="zh-CN" sz="4800" b="1" dirty="0" smtClean="0">
-              <a:solidFill>
-                <a:schemeClr val="accent2"/>
-              </a:solidFill>
-              <a:effectLst>
-                <a:outerShdw blurRad="38100" dist="38100" dir="2700000" algn="tl">
-                  <a:srgbClr val="000000">
-                    <a:alpha val="43137"/>
-                  </a:srgbClr>
-                </a:outerShdw>
-              </a:effectLst>
-              <a:latin typeface="微软雅黑" panose="020B0503020204020204" pitchFamily="34" charset="-122"/>
-              <a:ea typeface="微软雅黑" panose="020B0503020204020204" pitchFamily="34" charset="-122"/>
-            </a:endParaRPr>
-          </a:p>
-          <a:p>
-            <a:pPr algn="r"/>
-            <a:r>
-              <a:rPr lang="en-US" altLang="zh-CN" sz="4800" b="1" dirty="0" smtClean="0">
-                <a:solidFill>
-                  <a:schemeClr val="accent2"/>
-                </a:solidFill>
-                <a:effectLst>
-                  <a:outerShdw blurRad="38100" dist="38100" dir="2700000" algn="tl">
-                    <a:srgbClr val="000000">
-                      <a:alpha val="43137"/>
-                    </a:srgbClr>
-                  </a:outerShdw>
-                </a:effectLst>
-                <a:latin typeface="微软雅黑" panose="020B0503020204020204" pitchFamily="34" charset="-122"/>
-                <a:ea typeface="微软雅黑" panose="020B0503020204020204" pitchFamily="34" charset="-122"/>
-              </a:rPr>
               <a:t>Modularity</a:t>
             </a:r>
-            <a:endParaRPr lang="en-US" altLang="zh-CN" sz="4800" b="1" dirty="0" smtClean="0">
-              <a:solidFill>
-                <a:schemeClr val="accent2"/>
-              </a:solidFill>
-              <a:effectLst>
-                <a:outerShdw blurRad="38100" dist="38100" dir="2700000" algn="tl">
-                  <a:srgbClr val="000000">
-                    <a:alpha val="43137"/>
-                  </a:srgbClr>
-                </a:outerShdw>
-              </a:effectLst>
-              <a:latin typeface="微软雅黑" panose="020B0503020204020204" pitchFamily="34" charset="-122"/>
-              <a:ea typeface="微软雅黑" panose="020B0503020204020204" pitchFamily="34" charset="-122"/>
-            </a:endParaRPr>
           </a:p>
         </p:txBody>
       </p:sp>
@@ -8021,17 +8132,7 @@
                 <a:latin typeface="微软雅黑" panose="020B0503020204020204" pitchFamily="34" charset="-122"/>
                 <a:ea typeface="微软雅黑" panose="020B0503020204020204" pitchFamily="34" charset="-122"/>
               </a:rPr>
-              <a:t>Gerraty</a:t>
-            </a:r>
-            <a:r>
-              <a:rPr lang="en-US" altLang="zh-CN" sz="4400" b="1" dirty="0" smtClean="0">
-                <a:solidFill>
-                  <a:srgbClr val="00ABB4"/>
-                </a:solidFill>
-                <a:latin typeface="微软雅黑" panose="020B0503020204020204" pitchFamily="34" charset="-122"/>
-                <a:ea typeface="微软雅黑" panose="020B0503020204020204" pitchFamily="34" charset="-122"/>
-              </a:rPr>
-              <a:t>, 2018</a:t>
+              <a:t>Gerraty, 2018</a:t>
             </a:r>
             <a:endParaRPr lang="zh-CN" altLang="en-US" sz="4400" b="1" dirty="0">
               <a:solidFill>
@@ -8424,20 +8525,6 @@
               </a:rPr>
               <a:t> </a:t>
             </a:r>
-            <a:endParaRPr lang="en-US" altLang="zh-CN" sz="4800" b="1" dirty="0" smtClean="0">
-              <a:solidFill>
-                <a:srgbClr val="00ABB4"/>
-              </a:solidFill>
-              <a:effectLst>
-                <a:outerShdw blurRad="38100" dist="38100" dir="2700000" algn="tl">
-                  <a:srgbClr val="000000">
-                    <a:alpha val="43137"/>
-                  </a:srgbClr>
-                </a:outerShdw>
-              </a:effectLst>
-              <a:latin typeface="微软雅黑" panose="020B0503020204020204" pitchFamily="34" charset="-122"/>
-              <a:ea typeface="微软雅黑" panose="020B0503020204020204" pitchFamily="34" charset="-122"/>
-            </a:endParaRPr>
           </a:p>
         </p:txBody>
       </p:sp>
@@ -8587,13 +8674,6 @@
               </a:rPr>
               <a:t>BioRxiv</a:t>
             </a:r>
-            <a:endParaRPr lang="en-US" altLang="zh-CN" sz="7200" b="1" dirty="0" smtClean="0">
-              <a:solidFill>
-                <a:srgbClr val="00ABB4"/>
-              </a:solidFill>
-              <a:latin typeface="微软雅黑" panose="020B0503020204020204" pitchFamily="34" charset="-122"/>
-              <a:ea typeface="微软雅黑" panose="020B0503020204020204" pitchFamily="34" charset="-122"/>
-            </a:endParaRPr>
           </a:p>
           <a:p>
             <a:r>
@@ -8624,37 +8704,7 @@
                 <a:latin typeface="微软雅黑" panose="020B0503020204020204" pitchFamily="34" charset="-122"/>
                 <a:ea typeface="微软雅黑" panose="020B0503020204020204" pitchFamily="34" charset="-122"/>
               </a:rPr>
-              <a:t>Gerraty</a:t>
-            </a:r>
-            <a:r>
-              <a:rPr lang="en-US" altLang="zh-CN" sz="5400" b="1" dirty="0" smtClean="0">
-                <a:solidFill>
-                  <a:srgbClr val="00ABB4"/>
-                </a:solidFill>
-                <a:latin typeface="微软雅黑" panose="020B0503020204020204" pitchFamily="34" charset="-122"/>
-                <a:ea typeface="微软雅黑" panose="020B0503020204020204" pitchFamily="34" charset="-122"/>
-              </a:rPr>
-              <a:t> </a:t>
-            </a:r>
-            <a:r>
-              <a:rPr lang="en-US" altLang="zh-CN" sz="5400" b="1" dirty="0" smtClean="0">
-                <a:solidFill>
-                  <a:srgbClr val="00ABB4"/>
-                </a:solidFill>
-                <a:latin typeface="微软雅黑" panose="020B0503020204020204" pitchFamily="34" charset="-122"/>
-                <a:ea typeface="微软雅黑" panose="020B0503020204020204" pitchFamily="34" charset="-122"/>
-              </a:rPr>
-              <a:t>, </a:t>
-            </a:r>
-            <a:r>
-              <a:rPr lang="en-US" altLang="zh-CN" sz="5400" b="1" dirty="0" smtClean="0">
-                <a:solidFill>
-                  <a:srgbClr val="00ABB4"/>
-                </a:solidFill>
-                <a:latin typeface="微软雅黑" panose="020B0503020204020204" pitchFamily="34" charset="-122"/>
-                <a:ea typeface="微软雅黑" panose="020B0503020204020204" pitchFamily="34" charset="-122"/>
-              </a:rPr>
-              <a:t>2018</a:t>
+              <a:t>Gerraty , 2018</a:t>
             </a:r>
             <a:endParaRPr lang="zh-CN" altLang="en-US" sz="5400" dirty="0">
               <a:solidFill>
@@ -8757,11 +8807,6 @@
               </a:rPr>
               <a:t>Many models</a:t>
             </a:r>
-            <a:endParaRPr lang="en-US" altLang="zh-CN" sz="2000" dirty="0" smtClean="0">
-              <a:latin typeface="Meiryo" panose="020B0604030504040204" pitchFamily="34" charset="-128"/>
-              <a:ea typeface="Meiryo" panose="020B0604030504040204" pitchFamily="34" charset="-128"/>
-              <a:cs typeface="Meiryo" panose="020B0604030504040204" pitchFamily="34" charset="-128"/>
-            </a:endParaRPr>
           </a:p>
           <a:p>
             <a:pPr marL="342900" indent="-342900">
@@ -8853,7 +8898,6 @@
               <a:rPr lang="en-US" altLang="zh-CN" sz="2000" dirty="0" smtClean="0"/>
               <a:t>110 rois</a:t>
             </a:r>
-            <a:endParaRPr lang="en-US" altLang="zh-CN" sz="2000" dirty="0" smtClean="0"/>
           </a:p>
           <a:p>
             <a:pPr marL="342900" indent="-342900">
@@ -8871,11 +8915,6 @@
               </a:rPr>
               <a:t>4 blocks</a:t>
             </a:r>
-            <a:endParaRPr lang="en-US" altLang="zh-CN" sz="2000" dirty="0" smtClean="0">
-              <a:latin typeface="Meiryo" panose="020B0604030504040204" pitchFamily="34" charset="-128"/>
-              <a:ea typeface="Meiryo" panose="020B0604030504040204" pitchFamily="34" charset="-128"/>
-              <a:cs typeface="Meiryo" panose="020B0604030504040204" pitchFamily="34" charset="-128"/>
-            </a:endParaRPr>
           </a:p>
         </p:txBody>
       </p:sp>
@@ -10546,11 +10585,6 @@
               </a:rPr>
               <a:t>number of times a node displays a change </a:t>
             </a:r>
-            <a:endParaRPr lang="en-US" altLang="zh-CN" sz="2800" dirty="0">
-              <a:latin typeface="Meiryo" panose="020B0604030504040204" pitchFamily="34" charset="-128"/>
-              <a:ea typeface="Meiryo" panose="020B0604030504040204" pitchFamily="34" charset="-128"/>
-              <a:cs typeface="Meiryo" panose="020B0604030504040204" pitchFamily="34" charset="-128"/>
-            </a:endParaRPr>
           </a:p>
           <a:p>
             <a:pPr marL="800100" lvl="1" indent="-342900">
@@ -10867,13 +10901,40 @@
                 <a:ea typeface="Meiryo" panose="020B0604030504040204" pitchFamily="34" charset="-128"/>
                 <a:cs typeface="Meiryo" panose="020B0604030504040204" pitchFamily="34" charset="-128"/>
               </a:rPr>
-              <a:t>: average over blocks(22*110)</a:t>
-            </a:r>
-            <a:endParaRPr lang="en-US" altLang="zh-CN" sz="2800" dirty="0" smtClean="0">
-              <a:latin typeface="Meiryo" panose="020B0604030504040204" pitchFamily="34" charset="-128"/>
-              <a:ea typeface="Meiryo" panose="020B0604030504040204" pitchFamily="34" charset="-128"/>
-              <a:cs typeface="Meiryo" panose="020B0604030504040204" pitchFamily="34" charset="-128"/>
-            </a:endParaRPr>
+              <a:t>: average over </a:t>
+            </a:r>
+            <a:r>
+              <a:rPr lang="en-US" altLang="zh-CN" sz="2800" dirty="0" smtClean="0">
+                <a:latin typeface="Meiryo" panose="020B0604030504040204" pitchFamily="34" charset="-128"/>
+                <a:ea typeface="Meiryo" panose="020B0604030504040204" pitchFamily="34" charset="-128"/>
+                <a:cs typeface="Meiryo" panose="020B0604030504040204" pitchFamily="34" charset="-128"/>
+              </a:rPr>
+              <a:t>blocks &amp; </a:t>
+            </a:r>
+            <a:r>
+              <a:rPr lang="en-US" altLang="zh-CN" sz="2800" dirty="0" smtClean="0">
+                <a:latin typeface="Meiryo" panose="020B0604030504040204" pitchFamily="34" charset="-128"/>
+                <a:ea typeface="Meiryo" panose="020B0604030504040204" pitchFamily="34" charset="-128"/>
+                <a:cs typeface="Meiryo" panose="020B0604030504040204" pitchFamily="34" charset="-128"/>
+              </a:rPr>
+              <a:t>subs</a:t>
+            </a:r>
+            <a:r>
+              <a:rPr lang="en-US" altLang="zh-CN" sz="2800" dirty="0" smtClean="0">
+                <a:latin typeface="Meiryo" panose="020B0604030504040204" pitchFamily="34" charset="-128"/>
+                <a:ea typeface="Meiryo" panose="020B0604030504040204" pitchFamily="34" charset="-128"/>
+                <a:cs typeface="Meiryo" panose="020B0604030504040204" pitchFamily="34" charset="-128"/>
+              </a:rPr>
+              <a:t>(110</a:t>
+            </a:r>
+            <a:r>
+              <a:rPr lang="en-US" altLang="zh-CN" sz="2800" dirty="0" smtClean="0">
+                <a:latin typeface="Meiryo" panose="020B0604030504040204" pitchFamily="34" charset="-128"/>
+                <a:ea typeface="Meiryo" panose="020B0604030504040204" pitchFamily="34" charset="-128"/>
+                <a:cs typeface="Meiryo" panose="020B0604030504040204" pitchFamily="34" charset="-128"/>
+              </a:rPr>
+              <a:t>)</a:t>
+            </a:r>
           </a:p>
           <a:p>
             <a:pPr marL="342900" indent="-342900">
@@ -11277,204 +11338,64 @@
           </a:p>
         </p:txBody>
       </p:sp>
-      <p:sp>
-        <p:nvSpPr>
-          <p:cNvPr id="30" name="文本框 29"/>
-          <p:cNvSpPr txBox="1"/>
+      <p:pic>
+        <p:nvPicPr>
+          <p:cNvPr id="6" name="Picture 2"/>
+          <p:cNvPicPr>
+            <a:picLocks noChangeAspect="1" noChangeArrowheads="1"/>
+          </p:cNvPicPr>
           <p:nvPr/>
-        </p:nvSpPr>
-        <p:spPr>
+        </p:nvPicPr>
+        <p:blipFill>
+          <a:blip r:embed="rId3">
+            <a:extLst>
+              <a:ext uri="{28A0092B-C50C-407E-A947-70E740481C1C}">
+                <a14:useLocalDpi xmlns:a14="http://schemas.microsoft.com/office/drawing/2010/main" val="0"/>
+              </a:ext>
+            </a:extLst>
+          </a:blip>
+          <a:srcRect/>
+          <a:stretch>
+            <a:fillRect/>
+          </a:stretch>
+        </p:blipFill>
+        <p:spPr bwMode="auto">
           <a:xfrm>
-            <a:off x="662539" y="294935"/>
-            <a:ext cx="5947811" cy="769441"/>
+            <a:off x="914398" y="1085850"/>
+            <a:ext cx="11093476" cy="8624038"/>
           </a:xfrm>
           <a:prstGeom prst="rect">
             <a:avLst/>
           </a:prstGeom>
           <a:noFill/>
+          <a:ln>
+            <a:noFill/>
+          </a:ln>
+          <a:extLst>
+            <a:ext uri="{909E8E84-426E-40DD-AFC4-6F175D3DCCD1}">
+              <a14:hiddenFill xmlns:a14="http://schemas.microsoft.com/office/drawing/2010/main">
+                <a:solidFill>
+                  <a:schemeClr val="accent1"/>
+                </a:solidFill>
+              </a14:hiddenFill>
+            </a:ext>
+            <a:ext uri="{91240B29-F687-4F45-9708-019B960494DF}">
+              <a14:hiddenLine xmlns:a14="http://schemas.microsoft.com/office/drawing/2010/main" w="9525">
+                <a:solidFill>
+                  <a:schemeClr val="tx1"/>
+                </a:solidFill>
+                <a:miter lim="800000"/>
+                <a:headEnd/>
+                <a:tailEnd/>
+              </a14:hiddenLine>
+            </a:ext>
+          </a:extLst>
         </p:spPr>
-        <p:txBody>
-          <a:bodyPr wrap="square" rtlCol="0">
-            <a:spAutoFit/>
-          </a:bodyPr>
-          <a:lstStyle/>
-          <a:p>
-            <a:r>
-              <a:rPr lang="en-US" altLang="zh-CN" sz="4400" b="1" dirty="0" smtClean="0">
-                <a:solidFill>
-                  <a:srgbClr val="00ABB4"/>
-                </a:solidFill>
-                <a:latin typeface="微软雅黑" panose="020B0503020204020204" pitchFamily="34" charset="-122"/>
-                <a:ea typeface="微软雅黑" panose="020B0503020204020204" pitchFamily="34" charset="-122"/>
-              </a:rPr>
-              <a:t>Subjects</a:t>
-            </a:r>
-          </a:p>
-        </p:txBody>
-      </p:sp>
-      <p:sp>
-        <p:nvSpPr>
-          <p:cNvPr id="31" name="Rectangle 96"/>
-          <p:cNvSpPr/>
-          <p:nvPr/>
-        </p:nvSpPr>
-        <p:spPr>
-          <a:xfrm>
-            <a:off x="882750" y="1406718"/>
-            <a:ext cx="10245297" cy="5262979"/>
-          </a:xfrm>
-          <a:prstGeom prst="rect">
-            <a:avLst/>
-          </a:prstGeom>
-        </p:spPr>
-        <p:txBody>
-          <a:bodyPr wrap="square">
-            <a:spAutoFit/>
-          </a:bodyPr>
-          <a:lstStyle/>
-          <a:p>
-            <a:pPr marL="342900" indent="-342900">
-              <a:lnSpc>
-                <a:spcPct val="200000"/>
-              </a:lnSpc>
-              <a:buFont typeface="Arial" panose="020B0604020202020204" pitchFamily="34" charset="0"/>
-              <a:buChar char="•"/>
-            </a:pPr>
-            <a:r>
-              <a:rPr lang="en-US" altLang="zh-CN" sz="2800" dirty="0" smtClean="0">
-                <a:latin typeface="Meiryo" panose="020B0604030504040204" pitchFamily="34" charset="-128"/>
-                <a:ea typeface="Meiryo" panose="020B0604030504040204" pitchFamily="34" charset="-128"/>
-                <a:cs typeface="Meiryo" panose="020B0604030504040204" pitchFamily="34" charset="-128"/>
-              </a:rPr>
-              <a:t>Adult </a:t>
-            </a:r>
-            <a:r>
-              <a:rPr lang="en-US" altLang="zh-CN" sz="2800" dirty="0">
-                <a:latin typeface="Meiryo" panose="020B0604030504040204" pitchFamily="34" charset="-128"/>
-                <a:ea typeface="Meiryo" panose="020B0604030504040204" pitchFamily="34" charset="-128"/>
-                <a:cs typeface="Meiryo" panose="020B0604030504040204" pitchFamily="34" charset="-128"/>
-              </a:rPr>
-              <a:t>male wild-type </a:t>
-            </a:r>
-            <a:r>
-              <a:rPr lang="en-US" altLang="zh-CN" sz="2800" dirty="0" smtClean="0">
-                <a:latin typeface="Meiryo" panose="020B0604030504040204" pitchFamily="34" charset="-128"/>
-                <a:ea typeface="Meiryo" panose="020B0604030504040204" pitchFamily="34" charset="-128"/>
-                <a:cs typeface="Meiryo" panose="020B0604030504040204" pitchFamily="34" charset="-128"/>
-              </a:rPr>
-              <a:t>mice</a:t>
-            </a:r>
-            <a:endParaRPr lang="en-US" altLang="zh-CN" sz="2800" dirty="0" smtClean="0"/>
-          </a:p>
-          <a:p>
-            <a:pPr marL="342900" indent="-342900">
-              <a:lnSpc>
-                <a:spcPct val="200000"/>
-              </a:lnSpc>
-              <a:buFont typeface="Arial" panose="020B0604020202020204" pitchFamily="34" charset="0"/>
-              <a:buChar char="•"/>
-            </a:pPr>
-            <a:r>
-              <a:rPr lang="en-US" altLang="zh-CN" sz="2800" b="1" dirty="0" smtClean="0"/>
-              <a:t>Groups</a:t>
-            </a:r>
-            <a:r>
-              <a:rPr lang="en-US" altLang="zh-CN" sz="2800" dirty="0" smtClean="0"/>
-              <a:t>: 2 </a:t>
-            </a:r>
-            <a:r>
-              <a:rPr lang="en-US" altLang="zh-CN" sz="2800" dirty="0"/>
-              <a:t>experimental groups of mice: left-</a:t>
-            </a:r>
-            <a:r>
-              <a:rPr lang="en-US" altLang="zh-CN" sz="2800" dirty="0" err="1"/>
-              <a:t>NpHR</a:t>
-            </a:r>
-            <a:r>
-              <a:rPr lang="en-US" altLang="zh-CN" sz="2800" dirty="0"/>
-              <a:t> and </a:t>
-            </a:r>
-            <a:r>
-              <a:rPr lang="en-US" altLang="zh-CN" sz="2800" dirty="0" smtClean="0"/>
-              <a:t>		right-</a:t>
-            </a:r>
-            <a:r>
-              <a:rPr lang="en-US" altLang="zh-CN" sz="2800" dirty="0" err="1" smtClean="0"/>
-              <a:t>NpHR</a:t>
-            </a:r>
-            <a:r>
-              <a:rPr lang="en-US" altLang="zh-CN" sz="2800" dirty="0"/>
-              <a:t>, </a:t>
-            </a:r>
-            <a:r>
-              <a:rPr lang="en-US" altLang="zh-CN" sz="2800" dirty="0" smtClean="0"/>
-              <a:t>with their </a:t>
-            </a:r>
-            <a:r>
-              <a:rPr lang="en-US" altLang="zh-CN" sz="2800" dirty="0"/>
-              <a:t>respective control groups, </a:t>
-            </a:r>
-            <a:r>
-              <a:rPr lang="en-US" altLang="zh-CN" sz="2800" dirty="0" smtClean="0"/>
-              <a:t>		left-YFP </a:t>
-            </a:r>
-            <a:r>
-              <a:rPr lang="en-US" altLang="zh-CN" sz="2800" dirty="0"/>
-              <a:t>and </a:t>
-            </a:r>
-            <a:r>
-              <a:rPr lang="en-US" altLang="zh-CN" sz="2800" dirty="0" smtClean="0"/>
-              <a:t>right-YFP</a:t>
-            </a:r>
-          </a:p>
-          <a:p>
-            <a:pPr marL="342900" indent="-342900">
-              <a:lnSpc>
-                <a:spcPct val="200000"/>
-              </a:lnSpc>
-              <a:buFont typeface="Arial" panose="020B0604020202020204" pitchFamily="34" charset="0"/>
-              <a:buChar char="•"/>
-            </a:pPr>
-            <a:r>
-              <a:rPr lang="en-US" altLang="zh-CN" sz="2800" b="1" dirty="0" smtClean="0"/>
-              <a:t>Control</a:t>
-            </a:r>
-            <a:r>
-              <a:rPr lang="en-US" altLang="zh-CN" sz="2800" dirty="0" smtClean="0"/>
-              <a:t> </a:t>
-            </a:r>
-            <a:r>
-              <a:rPr lang="en-US" altLang="zh-CN" sz="2800" dirty="0"/>
-              <a:t>mice </a:t>
-            </a:r>
-            <a:r>
-              <a:rPr lang="en-US" altLang="zh-CN" sz="2800" dirty="0" smtClean="0"/>
-              <a:t>received equivalent injections of </a:t>
-            </a:r>
-            <a:r>
-              <a:rPr lang="en-US" altLang="zh-CN" sz="2800" dirty="0"/>
-              <a:t>a </a:t>
-            </a:r>
-            <a:r>
-              <a:rPr lang="en-US" altLang="zh-CN" sz="2800" dirty="0" smtClean="0"/>
-              <a:t>	virus </a:t>
-            </a:r>
-            <a:r>
-              <a:rPr lang="en-US" altLang="zh-CN" sz="2800" dirty="0"/>
-              <a:t>lacking </a:t>
-            </a:r>
-            <a:r>
-              <a:rPr lang="en-US" altLang="zh-CN" sz="2800" dirty="0" smtClean="0"/>
-              <a:t>eNpHR3.0</a:t>
-            </a:r>
-            <a:endParaRPr lang="en-US" altLang="zh-CN" sz="2800" b="1" dirty="0" smtClean="0"/>
-          </a:p>
-        </p:txBody>
-      </p:sp>
+      </p:pic>
     </p:spTree>
     <p:extLst>
       <p:ext uri="{BB962C8B-B14F-4D97-AF65-F5344CB8AC3E}">
-        <p14:creationId xmlns:p14="http://schemas.microsoft.com/office/powerpoint/2010/main" val="4137863081"/>
+        <p14:creationId xmlns:p14="http://schemas.microsoft.com/office/powerpoint/2010/main" val="2286436230"/>
       </p:ext>
     </p:extLst>
   </p:cSld>
@@ -11510,14 +11431,14 @@
       </p:grpSpPr>
       <p:sp>
         <p:nvSpPr>
-          <p:cNvPr id="29" name="矩形 28"/>
+          <p:cNvPr id="5" name="矩形 4"/>
           <p:cNvSpPr/>
           <p:nvPr/>
         </p:nvSpPr>
         <p:spPr>
           <a:xfrm>
-            <a:off x="5918899" y="0"/>
-            <a:ext cx="6260123" cy="6858000"/>
+            <a:off x="6005399" y="3447534"/>
+            <a:ext cx="6172200" cy="3410465"/>
           </a:xfrm>
           <a:prstGeom prst="rect">
             <a:avLst/>
@@ -11552,215 +11473,116 @@
           <a:lstStyle/>
           <a:p>
             <a:pPr algn="ctr"/>
-            <a:endParaRPr lang="zh-CN" altLang="en-US" dirty="0"/>
-          </a:p>
-        </p:txBody>
-      </p:sp>
-      <p:sp>
-        <p:nvSpPr>
-          <p:cNvPr id="31" name="Rectangle 96"/>
+            <a:endParaRPr lang="zh-CN" altLang="en-US"/>
+          </a:p>
+        </p:txBody>
+      </p:sp>
+      <p:sp>
+        <p:nvSpPr>
+          <p:cNvPr id="29" name="矩形 28"/>
           <p:cNvSpPr/>
           <p:nvPr/>
         </p:nvSpPr>
         <p:spPr>
           <a:xfrm>
-            <a:off x="209551" y="396776"/>
-            <a:ext cx="5709348" cy="5909310"/>
+            <a:off x="12346" y="1"/>
+            <a:ext cx="6006821" cy="3447534"/>
           </a:xfrm>
           <a:prstGeom prst="rect">
             <a:avLst/>
           </a:prstGeom>
+          <a:solidFill>
+            <a:schemeClr val="bg1">
+              <a:lumMod val="95000"/>
+            </a:schemeClr>
+          </a:solidFill>
+          <a:ln>
+            <a:noFill/>
+          </a:ln>
         </p:spPr>
-        <p:txBody>
-          <a:bodyPr wrap="square">
-            <a:spAutoFit/>
-          </a:bodyPr>
-          <a:lstStyle/>
-          <a:p>
-            <a:pPr marL="285750" indent="-285750">
-              <a:lnSpc>
-                <a:spcPct val="150000"/>
-              </a:lnSpc>
-              <a:buFont typeface="Arial" panose="020B0604020202020204" pitchFamily="34" charset="0"/>
-              <a:buChar char="•"/>
-            </a:pPr>
-            <a:endParaRPr lang="en-US" altLang="zh-CN" sz="2800" b="1" dirty="0" smtClean="0">
-              <a:ea typeface="Roboto Cn" pitchFamily="2" charset="0"/>
-              <a:cs typeface="Arial" panose="020B0604020202020204" pitchFamily="34" charset="0"/>
-            </a:endParaRPr>
-          </a:p>
-          <a:p>
-            <a:pPr marL="285750" indent="-285750">
-              <a:lnSpc>
-                <a:spcPct val="150000"/>
-              </a:lnSpc>
-              <a:buFont typeface="Arial" panose="020B0604020202020204" pitchFamily="34" charset="0"/>
-              <a:buChar char="•"/>
-            </a:pPr>
-            <a:r>
-              <a:rPr lang="en-US" altLang="zh-CN" sz="2800" b="1" dirty="0" smtClean="0">
-                <a:ea typeface="Roboto Cn" pitchFamily="2" charset="0"/>
-                <a:cs typeface="Arial" panose="020B0604020202020204" pitchFamily="34" charset="0"/>
-              </a:rPr>
-              <a:t> Short-term memory tasks :</a:t>
-            </a:r>
-          </a:p>
-          <a:p>
-            <a:pPr marL="742950" lvl="1" indent="-285750">
-              <a:lnSpc>
-                <a:spcPct val="150000"/>
-              </a:lnSpc>
-              <a:buFont typeface="Arial" panose="020B0604020202020204" pitchFamily="34" charset="0"/>
-              <a:buChar char="•"/>
-            </a:pPr>
-            <a:r>
-              <a:rPr lang="en-US" altLang="zh-CN" sz="2800" dirty="0" smtClean="0"/>
-              <a:t>Spontaneous </a:t>
-            </a:r>
-            <a:r>
-              <a:rPr lang="en-US" altLang="zh-CN" sz="2800" dirty="0"/>
-              <a:t>alternation short-term memory T-maze task </a:t>
-            </a:r>
-            <a:endParaRPr lang="en-US" altLang="zh-CN" sz="2800" dirty="0" smtClean="0"/>
-          </a:p>
-          <a:p>
-            <a:pPr marL="742950" lvl="1" indent="-285750">
-              <a:lnSpc>
-                <a:spcPct val="150000"/>
-              </a:lnSpc>
-              <a:buFont typeface="Arial" panose="020B0604020202020204" pitchFamily="34" charset="0"/>
-              <a:buChar char="•"/>
-            </a:pPr>
-            <a:r>
-              <a:rPr lang="en-US" altLang="zh-CN" sz="2800" dirty="0"/>
-              <a:t>Spatial novelty preference short-term memory Y-maze task </a:t>
-            </a:r>
-            <a:br>
-              <a:rPr lang="en-US" altLang="zh-CN" sz="2800" dirty="0"/>
-            </a:br>
-            <a:endParaRPr lang="en-US" altLang="zh-CN" sz="2800" dirty="0"/>
-          </a:p>
-        </p:txBody>
-      </p:sp>
-      <p:sp>
-        <p:nvSpPr>
-          <p:cNvPr id="5" name="Rectangle 96"/>
-          <p:cNvSpPr/>
+        <p:style>
+          <a:lnRef idx="2">
+            <a:schemeClr val="accent1">
+              <a:shade val="50000"/>
+            </a:schemeClr>
+          </a:lnRef>
+          <a:fillRef idx="1">
+            <a:schemeClr val="accent1"/>
+          </a:fillRef>
+          <a:effectRef idx="0">
+            <a:schemeClr val="accent1"/>
+          </a:effectRef>
+          <a:fontRef idx="minor">
+            <a:schemeClr val="lt1"/>
+          </a:fontRef>
+        </p:style>
+        <p:txBody>
+          <a:bodyPr rtlCol="0" anchor="ctr"/>
+          <a:lstStyle/>
+          <a:p>
+            <a:pPr algn="ctr"/>
+            <a:endParaRPr lang="zh-CN" altLang="en-US"/>
+          </a:p>
+        </p:txBody>
+      </p:sp>
+      <p:pic>
+        <p:nvPicPr>
+          <p:cNvPr id="2050" name="Picture 2"/>
+          <p:cNvPicPr>
+            <a:picLocks noChangeAspect="1" noChangeArrowheads="1"/>
+          </p:cNvPicPr>
           <p:nvPr/>
-        </p:nvSpPr>
-        <p:spPr>
+        </p:nvPicPr>
+        <p:blipFill>
+          <a:blip r:embed="rId3">
+            <a:extLst>
+              <a:ext uri="{28A0092B-C50C-407E-A947-70E740481C1C}">
+                <a14:useLocalDpi xmlns:a14="http://schemas.microsoft.com/office/drawing/2010/main" val="0"/>
+              </a:ext>
+            </a:extLst>
+          </a:blip>
+          <a:srcRect/>
+          <a:stretch>
+            <a:fillRect/>
+          </a:stretch>
+        </p:blipFill>
+        <p:spPr bwMode="auto">
           <a:xfrm>
-            <a:off x="6194286" y="396776"/>
-            <a:ext cx="5709348" cy="5262979"/>
-          </a:xfrm>
-          <a:prstGeom prst="rect">
-            <a:avLst/>
-          </a:prstGeom>
-        </p:spPr>
-        <p:txBody>
-          <a:bodyPr wrap="square">
-            <a:spAutoFit/>
-          </a:bodyPr>
-          <a:lstStyle/>
-          <a:p>
-            <a:pPr marL="742950" lvl="1" indent="-285750">
-              <a:lnSpc>
-                <a:spcPct val="150000"/>
-              </a:lnSpc>
-              <a:buFont typeface="Arial" panose="020B0604020202020204" pitchFamily="34" charset="0"/>
-              <a:buChar char="•"/>
-            </a:pPr>
-            <a:endParaRPr lang="en-US" altLang="zh-CN" sz="2800" dirty="0" smtClean="0"/>
-          </a:p>
-          <a:p>
-            <a:pPr marL="285750" indent="-285750">
-              <a:lnSpc>
-                <a:spcPct val="150000"/>
-              </a:lnSpc>
-              <a:buFont typeface="Arial" panose="020B0604020202020204" pitchFamily="34" charset="0"/>
-              <a:buChar char="•"/>
-            </a:pPr>
-            <a:r>
-              <a:rPr lang="en-US" altLang="zh-CN" sz="2800" b="1" dirty="0" smtClean="0"/>
-              <a:t>Long-term memory tasks : </a:t>
-            </a:r>
-          </a:p>
-          <a:p>
-            <a:pPr marL="742950" lvl="1" indent="-285750">
-              <a:lnSpc>
-                <a:spcPct val="150000"/>
-              </a:lnSpc>
-              <a:buFont typeface="Arial" panose="020B0604020202020204" pitchFamily="34" charset="0"/>
-              <a:buChar char="•"/>
-            </a:pPr>
-            <a:r>
-              <a:rPr lang="en-US" altLang="zh-CN" sz="2800" dirty="0" smtClean="0"/>
-              <a:t>Spatial </a:t>
-            </a:r>
-            <a:r>
-              <a:rPr lang="en-US" altLang="zh-CN" sz="2800" dirty="0"/>
-              <a:t>long-term memory Y-maze task </a:t>
-            </a:r>
-            <a:br>
-              <a:rPr lang="en-US" altLang="zh-CN" sz="2800" dirty="0"/>
-            </a:br>
-            <a:endParaRPr lang="en-US" altLang="zh-CN" sz="2800" dirty="0" smtClean="0"/>
-          </a:p>
-          <a:p>
-            <a:pPr marL="742950" lvl="1" indent="-285750">
-              <a:lnSpc>
-                <a:spcPct val="150000"/>
-              </a:lnSpc>
-              <a:buFont typeface="Arial" panose="020B0604020202020204" pitchFamily="34" charset="0"/>
-              <a:buChar char="•"/>
-            </a:pPr>
-            <a:r>
-              <a:rPr lang="en-US" altLang="zh-CN" sz="2800" dirty="0"/>
-              <a:t>Visual discrimination long-term memory T-maze task </a:t>
-            </a:r>
-            <a:endParaRPr lang="en-US" altLang="zh-CN" sz="2800" dirty="0" smtClean="0"/>
-          </a:p>
-        </p:txBody>
-      </p:sp>
-      <p:sp>
-        <p:nvSpPr>
-          <p:cNvPr id="6" name="文本框 29"/>
-          <p:cNvSpPr txBox="1"/>
-          <p:nvPr/>
-        </p:nvSpPr>
-        <p:spPr>
-          <a:xfrm>
-            <a:off x="662539" y="294935"/>
-            <a:ext cx="5947811" cy="769441"/>
+            <a:off x="2229858" y="553140"/>
+            <a:ext cx="7578618" cy="5580959"/>
           </a:xfrm>
           <a:prstGeom prst="rect">
             <a:avLst/>
           </a:prstGeom>
           <a:noFill/>
+          <a:ln>
+            <a:noFill/>
+          </a:ln>
+          <a:extLst>
+            <a:ext uri="{909E8E84-426E-40DD-AFC4-6F175D3DCCD1}">
+              <a14:hiddenFill xmlns:a14="http://schemas.microsoft.com/office/drawing/2010/main">
+                <a:solidFill>
+                  <a:schemeClr val="accent1"/>
+                </a:solidFill>
+              </a14:hiddenFill>
+            </a:ext>
+            <a:ext uri="{91240B29-F687-4F45-9708-019B960494DF}">
+              <a14:hiddenLine xmlns:a14="http://schemas.microsoft.com/office/drawing/2010/main" w="9525">
+                <a:solidFill>
+                  <a:schemeClr val="tx1"/>
+                </a:solidFill>
+                <a:miter lim="800000"/>
+                <a:headEnd/>
+                <a:tailEnd/>
+              </a14:hiddenLine>
+            </a:ext>
+          </a:extLst>
         </p:spPr>
-        <p:txBody>
-          <a:bodyPr wrap="square" rtlCol="0">
-            <a:spAutoFit/>
-          </a:bodyPr>
-          <a:lstStyle/>
-          <a:p>
-            <a:r>
-              <a:rPr lang="en-US" altLang="zh-CN" sz="4400" b="1" dirty="0" smtClean="0">
-                <a:solidFill>
-                  <a:srgbClr val="00ABB4"/>
-                </a:solidFill>
-                <a:latin typeface="微软雅黑" panose="020B0503020204020204" pitchFamily="34" charset="-122"/>
-                <a:ea typeface="微软雅黑" panose="020B0503020204020204" pitchFamily="34" charset="-122"/>
-              </a:rPr>
-              <a:t>Behavioral tests</a:t>
-            </a:r>
-          </a:p>
-        </p:txBody>
-      </p:sp>
+      </p:pic>
     </p:spTree>
     <p:extLst>
       <p:ext uri="{BB962C8B-B14F-4D97-AF65-F5344CB8AC3E}">
-        <p14:creationId xmlns:p14="http://schemas.microsoft.com/office/powerpoint/2010/main" val="92278236"/>
+        <p14:creationId xmlns:p14="http://schemas.microsoft.com/office/powerpoint/2010/main" val="4191249059"/>
       </p:ext>
     </p:extLst>
   </p:cSld>
@@ -11796,14 +11618,14 @@
       </p:grpSpPr>
       <p:sp>
         <p:nvSpPr>
-          <p:cNvPr id="29" name="矩形 28"/>
+          <p:cNvPr id="5" name="矩形 4"/>
           <p:cNvSpPr/>
           <p:nvPr/>
         </p:nvSpPr>
         <p:spPr>
           <a:xfrm>
-            <a:off x="5918899" y="0"/>
-            <a:ext cx="6260123" cy="6858000"/>
+            <a:off x="6005399" y="3447534"/>
+            <a:ext cx="6172200" cy="3410465"/>
           </a:xfrm>
           <a:prstGeom prst="rect">
             <a:avLst/>
@@ -11838,151 +11660,116 @@
           <a:lstStyle/>
           <a:p>
             <a:pPr algn="ctr"/>
-            <a:endParaRPr lang="zh-CN" altLang="en-US" dirty="0"/>
-          </a:p>
-        </p:txBody>
-      </p:sp>
-      <p:sp>
-        <p:nvSpPr>
-          <p:cNvPr id="31" name="Rectangle 96"/>
+            <a:endParaRPr lang="zh-CN" altLang="en-US"/>
+          </a:p>
+        </p:txBody>
+      </p:sp>
+      <p:sp>
+        <p:nvSpPr>
+          <p:cNvPr id="29" name="矩形 28"/>
           <p:cNvSpPr/>
           <p:nvPr/>
         </p:nvSpPr>
         <p:spPr>
           <a:xfrm>
-            <a:off x="765809" y="2035076"/>
-            <a:ext cx="11068049" cy="2677656"/>
+            <a:off x="12346" y="1"/>
+            <a:ext cx="6006821" cy="3447534"/>
           </a:xfrm>
           <a:prstGeom prst="rect">
             <a:avLst/>
           </a:prstGeom>
+          <a:solidFill>
+            <a:schemeClr val="bg1">
+              <a:lumMod val="95000"/>
+            </a:schemeClr>
+          </a:solidFill>
+          <a:ln>
+            <a:noFill/>
+          </a:ln>
         </p:spPr>
-        <p:txBody>
-          <a:bodyPr wrap="square">
-            <a:spAutoFit/>
-          </a:bodyPr>
-          <a:lstStyle/>
-          <a:p>
-            <a:pPr marL="285750" indent="-285750">
-              <a:lnSpc>
-                <a:spcPct val="150000"/>
-              </a:lnSpc>
-              <a:buFont typeface="Arial" panose="020B0604020202020204" pitchFamily="34" charset="0"/>
-              <a:buChar char="•"/>
-            </a:pPr>
-            <a:r>
-              <a:rPr lang="en-US" altLang="zh-CN" sz="2800" dirty="0"/>
-              <a:t>The behavioral results were analyzed by </a:t>
-            </a:r>
-            <a:r>
-              <a:rPr lang="en-US" altLang="zh-CN" sz="2800" b="1" dirty="0"/>
-              <a:t>two-way ANOVA</a:t>
-            </a:r>
-            <a:r>
-              <a:rPr lang="en-US" altLang="zh-CN" sz="2800" dirty="0"/>
-              <a:t/>
-            </a:r>
-            <a:br>
-              <a:rPr lang="en-US" altLang="zh-CN" sz="2800" dirty="0"/>
-            </a:br>
-            <a:r>
-              <a:rPr lang="en-US" altLang="zh-CN" sz="2800" dirty="0"/>
-              <a:t>with </a:t>
-            </a:r>
-            <a:r>
-              <a:rPr lang="en-US" altLang="zh-CN" sz="2800" b="1" dirty="0"/>
-              <a:t>between-subjects</a:t>
-            </a:r>
-            <a:r>
-              <a:rPr lang="en-US" altLang="zh-CN" sz="2800" dirty="0"/>
-              <a:t> factors of </a:t>
-            </a:r>
-            <a:r>
-              <a:rPr lang="en-US" altLang="zh-CN" sz="2800" b="1" dirty="0"/>
-              <a:t>transgene (</a:t>
-            </a:r>
-            <a:r>
-              <a:rPr lang="en-US" altLang="zh-CN" sz="2800" b="1" dirty="0" err="1"/>
-              <a:t>NpHR</a:t>
-            </a:r>
-            <a:r>
-              <a:rPr lang="en-US" altLang="zh-CN" sz="2800" b="1" dirty="0"/>
-              <a:t> vs. YFP) </a:t>
-            </a:r>
-            <a:r>
-              <a:rPr lang="en-US" altLang="zh-CN" sz="2800" dirty="0" smtClean="0"/>
-              <a:t>and </a:t>
-            </a:r>
-            <a:r>
-              <a:rPr lang="en-US" altLang="zh-CN" sz="2800" b="1" dirty="0" smtClean="0"/>
-              <a:t>hemisphere </a:t>
-            </a:r>
-            <a:r>
-              <a:rPr lang="en-US" altLang="zh-CN" sz="2800" b="1" dirty="0"/>
-              <a:t>(left vs. right), </a:t>
-            </a:r>
-            <a:r>
-              <a:rPr lang="en-US" altLang="zh-CN" sz="2800" dirty="0"/>
-              <a:t>and also a </a:t>
-            </a:r>
-            <a:r>
-              <a:rPr lang="en-US" altLang="zh-CN" sz="2800" b="1" dirty="0"/>
-              <a:t>within-subjects</a:t>
-            </a:r>
-            <a:r>
-              <a:rPr lang="en-US" altLang="zh-CN" sz="2800" dirty="0"/>
-              <a:t> factor </a:t>
-            </a:r>
-            <a:r>
-              <a:rPr lang="en-US" altLang="zh-CN" sz="2800" dirty="0" smtClean="0"/>
-              <a:t>of block </a:t>
-            </a:r>
-            <a:r>
-              <a:rPr lang="en-US" altLang="zh-CN" sz="2800" dirty="0"/>
-              <a:t>for the long-term memory tests. </a:t>
-            </a:r>
-          </a:p>
-        </p:txBody>
-      </p:sp>
-      <p:sp>
-        <p:nvSpPr>
-          <p:cNvPr id="6" name="文本框 29"/>
-          <p:cNvSpPr txBox="1"/>
+        <p:style>
+          <a:lnRef idx="2">
+            <a:schemeClr val="accent1">
+              <a:shade val="50000"/>
+            </a:schemeClr>
+          </a:lnRef>
+          <a:fillRef idx="1">
+            <a:schemeClr val="accent1"/>
+          </a:fillRef>
+          <a:effectRef idx="0">
+            <a:schemeClr val="accent1"/>
+          </a:effectRef>
+          <a:fontRef idx="minor">
+            <a:schemeClr val="lt1"/>
+          </a:fontRef>
+        </p:style>
+        <p:txBody>
+          <a:bodyPr rtlCol="0" anchor="ctr"/>
+          <a:lstStyle/>
+          <a:p>
+            <a:pPr algn="ctr"/>
+            <a:endParaRPr lang="zh-CN" altLang="en-US"/>
+          </a:p>
+        </p:txBody>
+      </p:sp>
+      <p:pic>
+        <p:nvPicPr>
+          <p:cNvPr id="6" name="Picture 2"/>
+          <p:cNvPicPr>
+            <a:picLocks noChangeAspect="1" noChangeArrowheads="1"/>
+          </p:cNvPicPr>
           <p:nvPr/>
-        </p:nvSpPr>
-        <p:spPr>
+        </p:nvPicPr>
+        <p:blipFill>
+          <a:blip r:embed="rId3">
+            <a:extLst>
+              <a:ext uri="{28A0092B-C50C-407E-A947-70E740481C1C}">
+                <a14:useLocalDpi xmlns:a14="http://schemas.microsoft.com/office/drawing/2010/main" val="0"/>
+              </a:ext>
+            </a:extLst>
+          </a:blip>
+          <a:srcRect/>
+          <a:stretch>
+            <a:fillRect/>
+          </a:stretch>
+        </p:blipFill>
+        <p:spPr bwMode="auto">
           <a:xfrm>
-            <a:off x="662539" y="294935"/>
-            <a:ext cx="5947811" cy="769441"/>
+            <a:off x="800098" y="-3109322"/>
+            <a:ext cx="11019962" cy="8566888"/>
           </a:xfrm>
           <a:prstGeom prst="rect">
             <a:avLst/>
           </a:prstGeom>
           <a:noFill/>
+          <a:ln>
+            <a:noFill/>
+          </a:ln>
+          <a:extLst>
+            <a:ext uri="{909E8E84-426E-40DD-AFC4-6F175D3DCCD1}">
+              <a14:hiddenFill xmlns:a14="http://schemas.microsoft.com/office/drawing/2010/main">
+                <a:solidFill>
+                  <a:schemeClr val="accent1"/>
+                </a:solidFill>
+              </a14:hiddenFill>
+            </a:ext>
+            <a:ext uri="{91240B29-F687-4F45-9708-019B960494DF}">
+              <a14:hiddenLine xmlns:a14="http://schemas.microsoft.com/office/drawing/2010/main" w="9525">
+                <a:solidFill>
+                  <a:schemeClr val="tx1"/>
+                </a:solidFill>
+                <a:miter lim="800000"/>
+                <a:headEnd/>
+                <a:tailEnd/>
+              </a14:hiddenLine>
+            </a:ext>
+          </a:extLst>
         </p:spPr>
-        <p:txBody>
-          <a:bodyPr wrap="square" rtlCol="0">
-            <a:spAutoFit/>
-          </a:bodyPr>
-          <a:lstStyle/>
-          <a:p>
-            <a:r>
-              <a:rPr lang="en-US" altLang="zh-CN" sz="4400" b="1" dirty="0" smtClean="0">
-                <a:solidFill>
-                  <a:srgbClr val="00ABB4"/>
-                </a:solidFill>
-                <a:latin typeface="微软雅黑" panose="020B0503020204020204" pitchFamily="34" charset="-122"/>
-                <a:ea typeface="微软雅黑" panose="020B0503020204020204" pitchFamily="34" charset="-122"/>
-              </a:rPr>
-              <a:t>Analysis</a:t>
-            </a:r>
-          </a:p>
-        </p:txBody>
-      </p:sp>
+      </p:pic>
     </p:spTree>
     <p:extLst>
       <p:ext uri="{BB962C8B-B14F-4D97-AF65-F5344CB8AC3E}">
-        <p14:creationId xmlns:p14="http://schemas.microsoft.com/office/powerpoint/2010/main" val="1980345912"/>
+        <p14:creationId xmlns:p14="http://schemas.microsoft.com/office/powerpoint/2010/main" val="3656714792"/>
       </p:ext>
     </p:extLst>
   </p:cSld>
@@ -12018,14 +11805,14 @@
       </p:grpSpPr>
       <p:sp>
         <p:nvSpPr>
-          <p:cNvPr id="29" name="矩形 28"/>
+          <p:cNvPr id="5" name="矩形 4"/>
           <p:cNvSpPr/>
           <p:nvPr/>
         </p:nvSpPr>
         <p:spPr>
           <a:xfrm>
-            <a:off x="5918899" y="0"/>
-            <a:ext cx="6260123" cy="6858000"/>
+            <a:off x="6005399" y="3447534"/>
+            <a:ext cx="6172200" cy="3410465"/>
           </a:xfrm>
           <a:prstGeom prst="rect">
             <a:avLst/>
@@ -12060,243 +11847,116 @@
           <a:lstStyle/>
           <a:p>
             <a:pPr algn="ctr"/>
-            <a:endParaRPr lang="zh-CN" altLang="en-US" dirty="0"/>
-          </a:p>
-        </p:txBody>
-      </p:sp>
-      <p:sp>
-        <p:nvSpPr>
-          <p:cNvPr id="31" name="Rectangle 96"/>
+            <a:endParaRPr lang="zh-CN" altLang="en-US"/>
+          </a:p>
+        </p:txBody>
+      </p:sp>
+      <p:sp>
+        <p:nvSpPr>
+          <p:cNvPr id="29" name="矩形 28"/>
           <p:cNvSpPr/>
           <p:nvPr/>
         </p:nvSpPr>
         <p:spPr>
           <a:xfrm>
-            <a:off x="209551" y="396776"/>
-            <a:ext cx="5709348" cy="3970318"/>
+            <a:off x="12346" y="1"/>
+            <a:ext cx="6006821" cy="3447534"/>
           </a:xfrm>
           <a:prstGeom prst="rect">
             <a:avLst/>
           </a:prstGeom>
+          <a:solidFill>
+            <a:schemeClr val="bg1">
+              <a:lumMod val="95000"/>
+            </a:schemeClr>
+          </a:solidFill>
+          <a:ln>
+            <a:noFill/>
+          </a:ln>
         </p:spPr>
-        <p:txBody>
-          <a:bodyPr wrap="square">
-            <a:spAutoFit/>
-          </a:bodyPr>
-          <a:lstStyle/>
-          <a:p>
-            <a:pPr>
-              <a:lnSpc>
-                <a:spcPct val="150000"/>
-              </a:lnSpc>
-            </a:pPr>
-            <a:endParaRPr lang="en-US" altLang="zh-CN" sz="2800" b="1" dirty="0" smtClean="0">
-              <a:ea typeface="Roboto Cn" pitchFamily="2" charset="0"/>
-              <a:cs typeface="Arial" panose="020B0604020202020204" pitchFamily="34" charset="0"/>
-            </a:endParaRPr>
-          </a:p>
-          <a:p>
-            <a:pPr marL="742950" lvl="1" indent="-285750">
-              <a:lnSpc>
-                <a:spcPct val="150000"/>
-              </a:lnSpc>
-              <a:buFont typeface="Arial" panose="020B0604020202020204" pitchFamily="34" charset="0"/>
-              <a:buChar char="•"/>
-            </a:pPr>
-            <a:endParaRPr lang="en-US" altLang="zh-CN" sz="2800" dirty="0" smtClean="0"/>
-          </a:p>
-          <a:p>
-            <a:pPr marL="742950" lvl="1" indent="-285750">
-              <a:lnSpc>
-                <a:spcPct val="150000"/>
-              </a:lnSpc>
-              <a:buFont typeface="Arial" panose="020B0604020202020204" pitchFamily="34" charset="0"/>
-              <a:buChar char="•"/>
-            </a:pPr>
-            <a:r>
-              <a:rPr lang="en-US" altLang="zh-CN" sz="2800" b="1" dirty="0" smtClean="0"/>
-              <a:t>Silencing </a:t>
-            </a:r>
-            <a:r>
-              <a:rPr lang="en-US" altLang="zh-CN" sz="2800" b="1" dirty="0"/>
-              <a:t>of </a:t>
-            </a:r>
-            <a:r>
-              <a:rPr lang="en-US" altLang="zh-CN" sz="2800" b="1" dirty="0" smtClean="0"/>
-              <a:t>either the </a:t>
-            </a:r>
-            <a:r>
-              <a:rPr lang="en-US" altLang="zh-CN" sz="2800" b="1" dirty="0"/>
-              <a:t>left or right CA3 </a:t>
-            </a:r>
-            <a:r>
-              <a:rPr lang="en-US" altLang="zh-CN" sz="2800" b="1" dirty="0" smtClean="0"/>
-              <a:t>can </a:t>
-            </a:r>
-            <a:r>
-              <a:rPr lang="en-US" altLang="zh-CN" sz="2800" b="1" dirty="0"/>
-              <a:t>impair </a:t>
-            </a:r>
-            <a:r>
-              <a:rPr lang="en-US" altLang="zh-CN" sz="2800" b="1" u="sng" dirty="0"/>
-              <a:t>short-term </a:t>
-            </a:r>
-            <a:r>
-              <a:rPr lang="en-US" altLang="zh-CN" sz="2800" b="1" u="sng" dirty="0" smtClean="0"/>
-              <a:t>memory</a:t>
-            </a:r>
-            <a:r>
-              <a:rPr lang="en-US" altLang="zh-CN" sz="2800" b="1" dirty="0" smtClean="0"/>
-              <a:t>. </a:t>
-            </a:r>
-            <a:r>
-              <a:rPr lang="en-US" altLang="zh-CN" sz="2800" dirty="0"/>
-              <a:t/>
-            </a:r>
-            <a:br>
-              <a:rPr lang="en-US" altLang="zh-CN" sz="2800" dirty="0"/>
-            </a:br>
-            <a:endParaRPr lang="en-US" altLang="zh-CN" sz="2800" dirty="0"/>
-          </a:p>
-        </p:txBody>
-      </p:sp>
-      <p:sp>
-        <p:nvSpPr>
-          <p:cNvPr id="5" name="Rectangle 96"/>
-          <p:cNvSpPr/>
+        <p:style>
+          <a:lnRef idx="2">
+            <a:schemeClr val="accent1">
+              <a:shade val="50000"/>
+            </a:schemeClr>
+          </a:lnRef>
+          <a:fillRef idx="1">
+            <a:schemeClr val="accent1"/>
+          </a:fillRef>
+          <a:effectRef idx="0">
+            <a:schemeClr val="accent1"/>
+          </a:effectRef>
+          <a:fontRef idx="minor">
+            <a:schemeClr val="lt1"/>
+          </a:fontRef>
+        </p:style>
+        <p:txBody>
+          <a:bodyPr rtlCol="0" anchor="ctr"/>
+          <a:lstStyle/>
+          <a:p>
+            <a:pPr algn="ctr"/>
+            <a:endParaRPr lang="zh-CN" altLang="en-US"/>
+          </a:p>
+        </p:txBody>
+      </p:sp>
+      <p:pic>
+        <p:nvPicPr>
+          <p:cNvPr id="3074" name="Picture 2"/>
+          <p:cNvPicPr>
+            <a:picLocks noChangeAspect="1" noChangeArrowheads="1"/>
+          </p:cNvPicPr>
           <p:nvPr/>
-        </p:nvSpPr>
-        <p:spPr>
+        </p:nvPicPr>
+        <p:blipFill>
+          <a:blip r:embed="rId3">
+            <a:extLst>
+              <a:ext uri="{28A0092B-C50C-407E-A947-70E740481C1C}">
+                <a14:useLocalDpi xmlns:a14="http://schemas.microsoft.com/office/drawing/2010/main" val="0"/>
+              </a:ext>
+            </a:extLst>
+          </a:blip>
+          <a:srcRect/>
+          <a:stretch>
+            <a:fillRect/>
+          </a:stretch>
+        </p:blipFill>
+        <p:spPr bwMode="auto">
           <a:xfrm>
-            <a:off x="6194286" y="396776"/>
-            <a:ext cx="5709348" cy="4616648"/>
-          </a:xfrm>
-          <a:prstGeom prst="rect">
-            <a:avLst/>
-          </a:prstGeom>
-        </p:spPr>
-        <p:txBody>
-          <a:bodyPr wrap="square">
-            <a:spAutoFit/>
-          </a:bodyPr>
-          <a:lstStyle/>
-          <a:p>
-            <a:pPr marL="742950" lvl="1" indent="-285750">
-              <a:lnSpc>
-                <a:spcPct val="150000"/>
-              </a:lnSpc>
-              <a:buFont typeface="Arial" panose="020B0604020202020204" pitchFamily="34" charset="0"/>
-              <a:buChar char="•"/>
-            </a:pPr>
-            <a:endParaRPr lang="en-US" altLang="zh-CN" sz="2800" dirty="0" smtClean="0"/>
-          </a:p>
-          <a:p>
-            <a:pPr marL="285750" indent="-285750">
-              <a:lnSpc>
-                <a:spcPct val="150000"/>
-              </a:lnSpc>
-              <a:buFont typeface="Arial" panose="020B0604020202020204" pitchFamily="34" charset="0"/>
-              <a:buChar char="•"/>
-            </a:pPr>
-            <a:endParaRPr lang="en-US" altLang="zh-CN" sz="2800" b="1" dirty="0" smtClean="0"/>
-          </a:p>
-          <a:p>
-            <a:pPr marL="285750" indent="-285750">
-              <a:lnSpc>
-                <a:spcPct val="150000"/>
-              </a:lnSpc>
-              <a:buFont typeface="Arial" panose="020B0604020202020204" pitchFamily="34" charset="0"/>
-              <a:buChar char="•"/>
-            </a:pPr>
-            <a:r>
-              <a:rPr lang="en-US" altLang="zh-CN" sz="2800" b="1" dirty="0" smtClean="0"/>
-              <a:t>A </a:t>
-            </a:r>
-            <a:r>
-              <a:rPr lang="en-US" altLang="zh-CN" sz="2800" b="1" dirty="0"/>
-              <a:t>striking asymmetry emerged in long-term </a:t>
-            </a:r>
-            <a:r>
-              <a:rPr lang="en-US" altLang="zh-CN" sz="2800" b="1" dirty="0" smtClean="0"/>
-              <a:t>memory :</a:t>
-            </a:r>
-          </a:p>
-          <a:p>
-            <a:pPr lvl="1">
-              <a:lnSpc>
-                <a:spcPct val="150000"/>
-              </a:lnSpc>
-            </a:pPr>
-            <a:r>
-              <a:rPr lang="en-US" altLang="zh-CN" sz="2800" b="1" dirty="0" smtClean="0"/>
-              <a:t>Only </a:t>
-            </a:r>
-            <a:r>
-              <a:rPr lang="en-US" altLang="zh-CN" sz="2800" b="1" dirty="0"/>
-              <a:t>left CA3 silencing impaired </a:t>
-            </a:r>
-            <a:r>
-              <a:rPr lang="en-US" altLang="zh-CN" sz="2800" b="1" dirty="0" smtClean="0"/>
-              <a:t>associative </a:t>
-            </a:r>
-            <a:r>
-              <a:rPr lang="en-US" altLang="zh-CN" sz="2800" b="1" dirty="0"/>
-              <a:t>spatial </a:t>
-            </a:r>
-            <a:r>
-              <a:rPr lang="en-US" altLang="zh-CN" sz="2800" b="1" u="sng" dirty="0"/>
-              <a:t>long-term </a:t>
-            </a:r>
-            <a:r>
-              <a:rPr lang="en-US" altLang="zh-CN" sz="2800" b="1" u="sng" dirty="0" smtClean="0"/>
-              <a:t>memory</a:t>
-            </a:r>
-            <a:r>
-              <a:rPr lang="en-US" altLang="zh-CN" sz="2800" b="1" dirty="0" smtClean="0"/>
-              <a:t>.</a:t>
-            </a:r>
-          </a:p>
-        </p:txBody>
-      </p:sp>
-      <p:sp>
-        <p:nvSpPr>
-          <p:cNvPr id="6" name="文本框 29"/>
-          <p:cNvSpPr txBox="1"/>
-          <p:nvPr/>
-        </p:nvSpPr>
-        <p:spPr>
-          <a:xfrm>
-            <a:off x="662539" y="294935"/>
-            <a:ext cx="5947811" cy="769441"/>
+            <a:off x="2104392" y="404998"/>
+            <a:ext cx="7829550" cy="6085071"/>
           </a:xfrm>
           <a:prstGeom prst="rect">
             <a:avLst/>
           </a:prstGeom>
           <a:noFill/>
+          <a:ln>
+            <a:noFill/>
+          </a:ln>
+          <a:extLst>
+            <a:ext uri="{909E8E84-426E-40DD-AFC4-6F175D3DCCD1}">
+              <a14:hiddenFill xmlns:a14="http://schemas.microsoft.com/office/drawing/2010/main">
+                <a:solidFill>
+                  <a:schemeClr val="accent1"/>
+                </a:solidFill>
+              </a14:hiddenFill>
+            </a:ext>
+            <a:ext uri="{91240B29-F687-4F45-9708-019B960494DF}">
+              <a14:hiddenLine xmlns:a14="http://schemas.microsoft.com/office/drawing/2010/main" w="9525">
+                <a:solidFill>
+                  <a:schemeClr val="tx1"/>
+                </a:solidFill>
+                <a:miter lim="800000"/>
+                <a:headEnd/>
+                <a:tailEnd/>
+              </a14:hiddenLine>
+            </a:ext>
+          </a:extLst>
         </p:spPr>
-        <p:txBody>
-          <a:bodyPr wrap="square" rtlCol="0">
-            <a:spAutoFit/>
-          </a:bodyPr>
-          <a:lstStyle/>
-          <a:p>
-            <a:r>
-              <a:rPr lang="en-US" altLang="zh-CN" sz="4400" b="1" dirty="0" smtClean="0">
-                <a:solidFill>
-                  <a:srgbClr val="00ABB4"/>
-                </a:solidFill>
-                <a:latin typeface="微软雅黑" panose="020B0503020204020204" pitchFamily="34" charset="-122"/>
-                <a:ea typeface="微软雅黑" panose="020B0503020204020204" pitchFamily="34" charset="-122"/>
-              </a:rPr>
-              <a:t>Results</a:t>
-            </a:r>
-          </a:p>
-        </p:txBody>
-      </p:sp>
+      </p:pic>
     </p:spTree>
     <p:extLst>
       <p:ext uri="{BB962C8B-B14F-4D97-AF65-F5344CB8AC3E}">
-        <p14:creationId xmlns:p14="http://schemas.microsoft.com/office/powerpoint/2010/main" val="3813688130"/>
+        <p14:creationId xmlns:p14="http://schemas.microsoft.com/office/powerpoint/2010/main" val="3061767152"/>
       </p:ext>
     </p:extLst>
   </p:cSld>
@@ -12401,39 +12061,8 @@
                 <a:latin typeface="微软雅黑" panose="020B0503020204020204" pitchFamily="34" charset="-122"/>
                 <a:ea typeface="微软雅黑" panose="020B0503020204020204" pitchFamily="34" charset="-122"/>
               </a:rPr>
-              <a:t>cognition in normative neurodevelopment </a:t>
-            </a:r>
-            <a:r>
-              <a:rPr lang="en-US" altLang="zh-CN" sz="4800" b="1" dirty="0" smtClean="0">
-                <a:solidFill>
-                  <a:srgbClr val="00ABB4"/>
-                </a:solidFill>
-                <a:effectLst>
-                  <a:outerShdw blurRad="38100" dist="38100" dir="2700000" algn="tl">
-                    <a:srgbClr val="000000">
-                      <a:alpha val="43137"/>
-                    </a:srgbClr>
-                  </a:outerShdw>
-                </a:effectLst>
-                <a:latin typeface="微软雅黑" panose="020B0503020204020204" pitchFamily="34" charset="-122"/>
-                <a:ea typeface="微软雅黑" panose="020B0503020204020204" pitchFamily="34" charset="-122"/>
-              </a:rPr>
-              <a:t> </a:t>
-            </a:r>
-            <a:endParaRPr lang="en-US" altLang="zh-CN" sz="4800" b="1" dirty="0" smtClean="0">
-              <a:solidFill>
-                <a:srgbClr val="00ABB4"/>
-              </a:solidFill>
-              <a:effectLst>
-                <a:outerShdw blurRad="38100" dist="38100" dir="2700000" algn="tl">
-                  <a:srgbClr val="000000">
-                    <a:alpha val="43137"/>
-                  </a:srgbClr>
-                </a:outerShdw>
-              </a:effectLst>
-              <a:latin typeface="微软雅黑" panose="020B0503020204020204" pitchFamily="34" charset="-122"/>
-              <a:ea typeface="微软雅黑" panose="020B0503020204020204" pitchFamily="34" charset="-122"/>
-            </a:endParaRPr>
+              <a:t>cognition in normative neurodevelopment  </a:t>
+            </a:r>
           </a:p>
         </p:txBody>
       </p:sp>
@@ -12710,13 +12339,6 @@
               </a:rPr>
               <a:t>NeuroImage</a:t>
             </a:r>
-            <a:endParaRPr lang="en-US" altLang="zh-CN" sz="7200" b="1" dirty="0" smtClean="0">
-              <a:solidFill>
-                <a:srgbClr val="00ABB4"/>
-              </a:solidFill>
-              <a:latin typeface="微软雅黑" panose="020B0503020204020204" pitchFamily="34" charset="-122"/>
-              <a:ea typeface="微软雅黑" panose="020B0503020204020204" pitchFamily="34" charset="-122"/>
-            </a:endParaRPr>
           </a:p>
           <a:p>
             <a:r>
@@ -12747,27 +12369,7 @@
                 <a:latin typeface="微软雅黑" panose="020B0503020204020204" pitchFamily="34" charset="-122"/>
                 <a:ea typeface="微软雅黑" panose="020B0503020204020204" pitchFamily="34" charset="-122"/>
               </a:rPr>
-              <a:t>Medaglia</a:t>
-            </a:r>
-            <a:r>
-              <a:rPr lang="en-US" altLang="zh-CN" sz="5400" b="1" dirty="0" smtClean="0">
-                <a:solidFill>
-                  <a:srgbClr val="00ABB4"/>
-                </a:solidFill>
-                <a:latin typeface="微软雅黑" panose="020B0503020204020204" pitchFamily="34" charset="-122"/>
-                <a:ea typeface="微软雅黑" panose="020B0503020204020204" pitchFamily="34" charset="-122"/>
-              </a:rPr>
-              <a:t> </a:t>
-            </a:r>
-            <a:r>
-              <a:rPr lang="en-US" altLang="zh-CN" sz="5400" b="1" dirty="0" smtClean="0">
-                <a:solidFill>
-                  <a:srgbClr val="00ABB4"/>
-                </a:solidFill>
-                <a:latin typeface="微软雅黑" panose="020B0503020204020204" pitchFamily="34" charset="-122"/>
-                <a:ea typeface="微软雅黑" panose="020B0503020204020204" pitchFamily="34" charset="-122"/>
-              </a:rPr>
-              <a:t>, 2017</a:t>
+              <a:t>Medaglia , 2017</a:t>
             </a:r>
             <a:endParaRPr lang="zh-CN" altLang="en-US" sz="5400" dirty="0">
               <a:solidFill>
@@ -12949,11 +12551,6 @@
               </a:rPr>
               <a:t>264 rois</a:t>
             </a:r>
-            <a:endParaRPr lang="en-US" altLang="zh-CN" sz="2000" dirty="0" smtClean="0">
-              <a:latin typeface="Meiryo" panose="020B0604030504040204" pitchFamily="34" charset="-128"/>
-              <a:ea typeface="Meiryo" panose="020B0604030504040204" pitchFamily="34" charset="-128"/>
-              <a:cs typeface="Meiryo" panose="020B0604030504040204" pitchFamily="34" charset="-128"/>
-            </a:endParaRPr>
           </a:p>
         </p:txBody>
       </p:sp>
@@ -14551,7 +14148,7 @@
   <a:extraClrSchemeLst/>
   <a:extLst>
     <a:ext uri="{05A4C25C-085E-4340-85A3-A5531E510DB2}">
-      <thm15:themeFamily xmlns:thm15="http://schemas.microsoft.com/office/thememl/2012/main" xmlns="" name="Office Theme" id="{62F939B6-93AF-4DB8-9C6B-D6C7DFDC589F}" vid="{4A3C46E8-61CC-4603-A589-7422A47A8E4A}"/>
+      <thm15:themeFamily xmlns="" xmlns:thm15="http://schemas.microsoft.com/office/thememl/2012/main" name="Office Theme" id="{62F939B6-93AF-4DB8-9C6B-D6C7DFDC589F}" vid="{4A3C46E8-61CC-4603-A589-7422A47A8E4A}"/>
     </a:ext>
   </a:extLst>
 </a:theme>
@@ -14812,7 +14409,7 @@
   <a:extraClrSchemeLst/>
   <a:extLst>
     <a:ext uri="{05A4C25C-085E-4340-85A3-A5531E510DB2}">
-      <thm15:themeFamily xmlns:thm15="http://schemas.microsoft.com/office/thememl/2012/main" xmlns="" name="Office Theme" id="{62F939B6-93AF-4DB8-9C6B-D6C7DFDC589F}" vid="{4A3C46E8-61CC-4603-A589-7422A47A8E4A}"/>
+      <thm15:themeFamily xmlns="" xmlns:thm15="http://schemas.microsoft.com/office/thememl/2012/main" name="Office Theme" id="{62F939B6-93AF-4DB8-9C6B-D6C7DFDC589F}" vid="{4A3C46E8-61CC-4603-A589-7422A47A8E4A}"/>
     </a:ext>
   </a:extLst>
 </a:theme>
